--- a/10/docs/Design Spec.pptx
+++ b/10/docs/Design Spec.pptx
@@ -118,6 +118,11 @@
       </a:defRPr>
     </a:lvl9pPr>
   </p:defaultTextStyle>
+  <p:extLst>
+    <p:ext uri="{EFAFB233-063F-42B5-8137-9DF3F51BA10A}">
+      <p15:sldGuideLst xmlns:p15="http://schemas.microsoft.com/office/powerpoint/2012/main"/>
+    </p:ext>
+  </p:extLst>
 </p:presentation>
 </file>
 
@@ -203,7 +208,7 @@
           <a:p>
             <a:fld id="{CB13AF74-21FC-495D-ABD7-154654FB5943}" type="datetimeFigureOut">
               <a:rPr lang="en-US" smtClean="0"/>
-              <a:t>5/29/2021</a:t>
+              <a:t>5/30/2021</a:t>
             </a:fld>
             <a:endParaRPr lang="en-US"/>
           </a:p>
@@ -704,7 +709,7 @@
           <a:p>
             <a:fld id="{3F6B4998-18E5-4FE6-9965-12B0FB58BAEB}" type="datetimeFigureOut">
               <a:rPr lang="en-US" smtClean="0"/>
-              <a:t>5/29/2021</a:t>
+              <a:t>5/30/2021</a:t>
             </a:fld>
             <a:endParaRPr lang="en-US"/>
           </a:p>
@@ -902,7 +907,7 @@
           <a:p>
             <a:fld id="{3F6B4998-18E5-4FE6-9965-12B0FB58BAEB}" type="datetimeFigureOut">
               <a:rPr lang="en-US" smtClean="0"/>
-              <a:t>5/29/2021</a:t>
+              <a:t>5/30/2021</a:t>
             </a:fld>
             <a:endParaRPr lang="en-US"/>
           </a:p>
@@ -1110,7 +1115,7 @@
           <a:p>
             <a:fld id="{3F6B4998-18E5-4FE6-9965-12B0FB58BAEB}" type="datetimeFigureOut">
               <a:rPr lang="en-US" smtClean="0"/>
-              <a:t>5/29/2021</a:t>
+              <a:t>5/30/2021</a:t>
             </a:fld>
             <a:endParaRPr lang="en-US"/>
           </a:p>
@@ -1308,7 +1313,7 @@
           <a:p>
             <a:fld id="{3F6B4998-18E5-4FE6-9965-12B0FB58BAEB}" type="datetimeFigureOut">
               <a:rPr lang="en-US" smtClean="0"/>
-              <a:t>5/29/2021</a:t>
+              <a:t>5/30/2021</a:t>
             </a:fld>
             <a:endParaRPr lang="en-US"/>
           </a:p>
@@ -1583,7 +1588,7 @@
           <a:p>
             <a:fld id="{3F6B4998-18E5-4FE6-9965-12B0FB58BAEB}" type="datetimeFigureOut">
               <a:rPr lang="en-US" smtClean="0"/>
-              <a:t>5/29/2021</a:t>
+              <a:t>5/30/2021</a:t>
             </a:fld>
             <a:endParaRPr lang="en-US"/>
           </a:p>
@@ -1848,7 +1853,7 @@
           <a:p>
             <a:fld id="{3F6B4998-18E5-4FE6-9965-12B0FB58BAEB}" type="datetimeFigureOut">
               <a:rPr lang="en-US" smtClean="0"/>
-              <a:t>5/29/2021</a:t>
+              <a:t>5/30/2021</a:t>
             </a:fld>
             <a:endParaRPr lang="en-US"/>
           </a:p>
@@ -2260,7 +2265,7 @@
           <a:p>
             <a:fld id="{3F6B4998-18E5-4FE6-9965-12B0FB58BAEB}" type="datetimeFigureOut">
               <a:rPr lang="en-US" smtClean="0"/>
-              <a:t>5/29/2021</a:t>
+              <a:t>5/30/2021</a:t>
             </a:fld>
             <a:endParaRPr lang="en-US"/>
           </a:p>
@@ -2401,7 +2406,7 @@
           <a:p>
             <a:fld id="{3F6B4998-18E5-4FE6-9965-12B0FB58BAEB}" type="datetimeFigureOut">
               <a:rPr lang="en-US" smtClean="0"/>
-              <a:t>5/29/2021</a:t>
+              <a:t>5/30/2021</a:t>
             </a:fld>
             <a:endParaRPr lang="en-US"/>
           </a:p>
@@ -2514,7 +2519,7 @@
           <a:p>
             <a:fld id="{3F6B4998-18E5-4FE6-9965-12B0FB58BAEB}" type="datetimeFigureOut">
               <a:rPr lang="en-US" smtClean="0"/>
-              <a:t>5/29/2021</a:t>
+              <a:t>5/30/2021</a:t>
             </a:fld>
             <a:endParaRPr lang="en-US"/>
           </a:p>
@@ -2825,7 +2830,7 @@
           <a:p>
             <a:fld id="{3F6B4998-18E5-4FE6-9965-12B0FB58BAEB}" type="datetimeFigureOut">
               <a:rPr lang="en-US" smtClean="0"/>
-              <a:t>5/29/2021</a:t>
+              <a:t>5/30/2021</a:t>
             </a:fld>
             <a:endParaRPr lang="en-US"/>
           </a:p>
@@ -3113,7 +3118,7 @@
           <a:p>
             <a:fld id="{3F6B4998-18E5-4FE6-9965-12B0FB58BAEB}" type="datetimeFigureOut">
               <a:rPr lang="en-US" smtClean="0"/>
-              <a:t>5/29/2021</a:t>
+              <a:t>5/30/2021</a:t>
             </a:fld>
             <a:endParaRPr lang="en-US"/>
           </a:p>
@@ -3354,7 +3359,7 @@
           <a:p>
             <a:fld id="{3F6B4998-18E5-4FE6-9965-12B0FB58BAEB}" type="datetimeFigureOut">
               <a:rPr lang="en-US" smtClean="0"/>
-              <a:t>5/29/2021</a:t>
+              <a:t>5/30/2021</a:t>
             </a:fld>
             <a:endParaRPr lang="en-US"/>
           </a:p>
@@ -12039,8 +12044,8 @@
         </p:nvSpPr>
         <p:spPr>
           <a:xfrm>
-            <a:off x="777293" y="4742360"/>
-            <a:ext cx="1766830" cy="584775"/>
+            <a:off x="664281" y="4742360"/>
+            <a:ext cx="1992854" cy="584775"/>
           </a:xfrm>
           <a:prstGeom prst="rect">
             <a:avLst/>
@@ -12091,7 +12096,7 @@
                 </a:solidFill>
                 <a:latin typeface="Consolas" panose="020B0609020204030204" pitchFamily="49" charset="0"/>
               </a:rPr>
-              <a:t>b*</a:t>
+              <a:t>b*b</a:t>
             </a:r>
             <a:endParaRPr lang="en-US" sz="3200" dirty="0">
               <a:solidFill>
@@ -12909,9 +12914,9 @@
           <p:nvPr/>
         </p:nvCxnSpPr>
         <p:spPr>
-          <a:xfrm flipH="1">
-            <a:off x="8583050" y="2663417"/>
-            <a:ext cx="763558" cy="638636"/>
+          <a:xfrm>
+            <a:off x="9499107" y="2663417"/>
+            <a:ext cx="97724" cy="638636"/>
           </a:xfrm>
           <a:prstGeom prst="straightConnector1">
             <a:avLst/>
@@ -13027,6 +13032,123 @@
           </a:prstGeom>
         </p:spPr>
       </p:pic>
+      <p:sp>
+        <p:nvSpPr>
+          <p:cNvPr id="32" name="Cube 31">
+            <a:extLst>
+              <a:ext uri="{FF2B5EF4-FFF2-40B4-BE49-F238E27FC236}">
+                <a16:creationId xmlns:a16="http://schemas.microsoft.com/office/drawing/2014/main" id="{8D4C51E2-B1E5-4687-9960-A05FBA67942B}"/>
+              </a:ext>
+            </a:extLst>
+          </p:cNvPr>
+          <p:cNvSpPr/>
+          <p:nvPr/>
+        </p:nvSpPr>
+        <p:spPr>
+          <a:xfrm>
+            <a:off x="8928776" y="3429000"/>
+            <a:ext cx="1097280" cy="583707"/>
+          </a:xfrm>
+          <a:prstGeom prst="cube">
+            <a:avLst>
+              <a:gd name="adj" fmla="val 57408"/>
+            </a:avLst>
+          </a:prstGeom>
+        </p:spPr>
+        <p:style>
+          <a:lnRef idx="2">
+            <a:schemeClr val="accent5">
+              <a:shade val="50000"/>
+            </a:schemeClr>
+          </a:lnRef>
+          <a:fillRef idx="1">
+            <a:schemeClr val="accent5"/>
+          </a:fillRef>
+          <a:effectRef idx="0">
+            <a:schemeClr val="accent5"/>
+          </a:effectRef>
+          <a:fontRef idx="minor">
+            <a:schemeClr val="lt1"/>
+          </a:fontRef>
+        </p:style>
+        <p:txBody>
+          <a:bodyPr rtlCol="0" anchor="ctr"/>
+          <a:lstStyle/>
+          <a:p>
+            <a:pPr algn="ctr"/>
+            <a:r>
+              <a:rPr lang="en-US" sz="2400" dirty="0"/>
+              <a:t>1</a:t>
+            </a:r>
+          </a:p>
+        </p:txBody>
+      </p:sp>
+      <p:sp>
+        <p:nvSpPr>
+          <p:cNvPr id="33" name="Rectangle 32">
+            <a:extLst>
+              <a:ext uri="{FF2B5EF4-FFF2-40B4-BE49-F238E27FC236}">
+                <a16:creationId xmlns:a16="http://schemas.microsoft.com/office/drawing/2014/main" id="{909C5613-7063-4496-8793-0B22A8E27015}"/>
+              </a:ext>
+            </a:extLst>
+          </p:cNvPr>
+          <p:cNvSpPr/>
+          <p:nvPr/>
+        </p:nvSpPr>
+        <p:spPr>
+          <a:xfrm>
+            <a:off x="9228913" y="2816153"/>
+            <a:ext cx="532518" cy="1569660"/>
+          </a:xfrm>
+          <a:prstGeom prst="rect">
+            <a:avLst/>
+          </a:prstGeom>
+          <a:noFill/>
+          <a:scene3d>
+            <a:camera prst="isometricOffAxis2Top">
+              <a:rot lat="18334548" lon="3483177" rev="18210916"/>
+            </a:camera>
+            <a:lightRig rig="threePt" dir="t"/>
+          </a:scene3d>
+          <a:sp3d/>
+        </p:spPr>
+        <p:txBody>
+          <a:bodyPr wrap="square" lIns="91440" tIns="45720" rIns="91440" bIns="45720">
+            <a:spAutoFit/>
+          </a:bodyPr>
+          <a:lstStyle/>
+          <a:p>
+            <a:pPr algn="ctr"/>
+            <a:r>
+              <a:rPr lang="en-US" sz="9600" b="1" spc="50" dirty="0">
+                <a:ln w="9525" cmpd="sng">
+                  <a:noFill/>
+                  <a:prstDash val="solid"/>
+                </a:ln>
+                <a:solidFill>
+                  <a:schemeClr val="accent5">
+                    <a:lumMod val="50000"/>
+                  </a:schemeClr>
+                </a:solidFill>
+                <a:effectLst/>
+              </a:rPr>
+              <a:t>b</a:t>
+            </a:r>
+            <a:endParaRPr lang="en-US" sz="9600" b="1" cap="none" spc="50" dirty="0">
+              <a:ln w="9525" cmpd="sng">
+                <a:noFill/>
+                <a:prstDash val="solid"/>
+              </a:ln>
+              <a:solidFill>
+                <a:schemeClr val="accent5">
+                  <a:lumMod val="50000"/>
+                </a:schemeClr>
+              </a:solidFill>
+              <a:effectLst/>
+            </a:endParaRPr>
+          </a:p>
+        </p:txBody>
+      </p:sp>
     </p:spTree>
     <p:extLst>
       <p:ext uri="{BB962C8B-B14F-4D97-AF65-F5344CB8AC3E}">
